--- a/Day 2/Slides/9. More About Data Types/more-about-data-types-slides.pptx
+++ b/Day 2/Slides/9. More About Data Types/more-about-data-types-slides.pptx
@@ -225,7 +225,7 @@
           <a:p>
             <a:fld id="{3EFD42F7-718C-4B98-AAEC-167E6DDD60A7}" type="datetimeFigureOut">
               <a:rPr lang="en-US" smtClean="0"/>
-              <a:t>7/29/2023</a:t>
+              <a:t>8/7/2023</a:t>
             </a:fld>
             <a:endParaRPr lang="en-US"/>
           </a:p>
@@ -626,7 +626,7 @@
           <a:p>
             <a:fld id="{1D8BD707-D9CF-40AE-B4C6-C98DA3205C09}" type="datetimeFigureOut">
               <a:rPr lang="en-US"/>
-              <a:t>7/29/2023</a:t>
+              <a:t>8/7/2023</a:t>
             </a:fld>
             <a:endParaRPr lang="en-US"/>
           </a:p>
@@ -793,7 +793,7 @@
           <a:p>
             <a:fld id="{1D8BD707-D9CF-40AE-B4C6-C98DA3205C09}" type="datetimeFigureOut">
               <a:rPr lang="en-US"/>
-              <a:t>7/29/2023</a:t>
+              <a:t>8/7/2023</a:t>
             </a:fld>
             <a:endParaRPr lang="en-US"/>
           </a:p>
@@ -1003,7 +1003,7 @@
           <a:p>
             <a:fld id="{1D8BD707-D9CF-40AE-B4C6-C98DA3205C09}" type="datetimeFigureOut">
               <a:rPr lang="en-US"/>
-              <a:t>7/29/2023</a:t>
+              <a:t>8/7/2023</a:t>
             </a:fld>
             <a:endParaRPr lang="en-US"/>
           </a:p>
@@ -1147,7 +1147,7 @@
           <a:p>
             <a:fld id="{1D8BD707-D9CF-40AE-B4C6-C98DA3205C09}" type="datetimeFigureOut">
               <a:rPr lang="en-US"/>
-              <a:t>7/29/2023</a:t>
+              <a:t>8/7/2023</a:t>
             </a:fld>
             <a:endParaRPr lang="en-US"/>
           </a:p>
@@ -1268,7 +1268,7 @@
           <a:p>
             <a:fld id="{1D8BD707-D9CF-40AE-B4C6-C98DA3205C09}" type="datetimeFigureOut">
               <a:rPr lang="en-US"/>
-              <a:t>7/29/2023</a:t>
+              <a:t>8/7/2023</a:t>
             </a:fld>
             <a:endParaRPr lang="en-US"/>
           </a:p>
@@ -1483,7 +1483,7 @@
           <a:p>
             <a:fld id="{1D8BD707-D9CF-40AE-B4C6-C98DA3205C09}" type="datetimeFigureOut">
               <a:rPr lang="en-US"/>
-              <a:t>7/29/2023</a:t>
+              <a:t>8/7/2023</a:t>
             </a:fld>
             <a:endParaRPr lang="en-US"/>
           </a:p>
@@ -5506,25 +5506,6 @@
       </p:grpSpPr>
       <p:sp>
         <p:nvSpPr>
-          <p:cNvPr id="6" name="Title 5"/>
-          <p:cNvSpPr>
-            <a:spLocks noGrp="1"/>
-          </p:cNvSpPr>
-          <p:nvPr>
-            <p:ph type="title"/>
-          </p:nvPr>
-        </p:nvSpPr>
-        <p:spPr/>
-        <p:txBody>
-          <a:bodyPr/>
-          <a:lstStyle/>
-          <a:p>
-            <a:endParaRPr lang="en-US"/>
-          </a:p>
-        </p:txBody>
-      </p:sp>
-      <p:sp>
-        <p:nvSpPr>
           <p:cNvPr id="4" name="Slide Number Placeholder 3"/>
           <p:cNvSpPr>
             <a:spLocks noGrp="1"/>
@@ -5618,25 +5599,6 @@
       </p:grpSpPr>
       <p:sp>
         <p:nvSpPr>
-          <p:cNvPr id="6" name="Title 5"/>
-          <p:cNvSpPr>
-            <a:spLocks noGrp="1"/>
-          </p:cNvSpPr>
-          <p:nvPr>
-            <p:ph type="title"/>
-          </p:nvPr>
-        </p:nvSpPr>
-        <p:spPr/>
-        <p:txBody>
-          <a:bodyPr/>
-          <a:lstStyle/>
-          <a:p>
-            <a:endParaRPr lang="en-US"/>
-          </a:p>
-        </p:txBody>
-      </p:sp>
-      <p:sp>
-        <p:nvSpPr>
           <p:cNvPr id="4" name="Slide Number Placeholder 3"/>
           <p:cNvSpPr>
             <a:spLocks noGrp="1"/>
@@ -5655,25 +5617,6 @@
               <a:t>17</a:t>
             </a:fld>
             <a:endParaRPr/>
-          </a:p>
-        </p:txBody>
-      </p:sp>
-      <p:sp>
-        <p:nvSpPr>
-          <p:cNvPr id="7" name="Content Placeholder 6"/>
-          <p:cNvSpPr>
-            <a:spLocks noGrp="1"/>
-          </p:cNvSpPr>
-          <p:nvPr>
-            <p:ph sz="half" idx="3"/>
-          </p:nvPr>
-        </p:nvSpPr>
-        <p:spPr/>
-        <p:txBody>
-          <a:bodyPr/>
-          <a:lstStyle/>
-          <a:p>
-            <a:endParaRPr lang="en-US"/>
           </a:p>
         </p:txBody>
       </p:sp>
